--- a/Patenting option evaluation.pptx
+++ b/Patenting option evaluation.pptx
@@ -209,7 +209,7 @@
           <a:p>
             <a:fld id="{B2FD4981-C464-4BCF-A17A-9B197BD43597}" type="datetimeFigureOut">
               <a:rPr lang="en-US" smtClean="0"/>
-              <a:t>2021-01-12</a:t>
+              <a:t>2021-01-24</a:t>
             </a:fld>
             <a:endParaRPr lang="en-US"/>
           </a:p>
@@ -3340,7 +3340,7 @@
           <a:p>
             <a:fld id="{F1F6B28C-2517-4E81-8A55-EB3E06B28D61}" type="datetimeFigureOut">
               <a:rPr lang="en-US" smtClean="0"/>
-              <a:t>2021-01-12</a:t>
+              <a:t>2021-01-24</a:t>
             </a:fld>
             <a:endParaRPr lang="en-US"/>
           </a:p>
@@ -3538,7 +3538,7 @@
           <a:p>
             <a:fld id="{F1F6B28C-2517-4E81-8A55-EB3E06B28D61}" type="datetimeFigureOut">
               <a:rPr lang="en-US" smtClean="0"/>
-              <a:t>2021-01-12</a:t>
+              <a:t>2021-01-24</a:t>
             </a:fld>
             <a:endParaRPr lang="en-US"/>
           </a:p>
@@ -3746,7 +3746,7 @@
           <a:p>
             <a:fld id="{F1F6B28C-2517-4E81-8A55-EB3E06B28D61}" type="datetimeFigureOut">
               <a:rPr lang="en-US" smtClean="0"/>
-              <a:t>2021-01-12</a:t>
+              <a:t>2021-01-24</a:t>
             </a:fld>
             <a:endParaRPr lang="en-US"/>
           </a:p>
@@ -4041,7 +4041,7 @@
           <a:p>
             <a:fld id="{F1F6B28C-2517-4E81-8A55-EB3E06B28D61}" type="datetimeFigureOut">
               <a:rPr lang="en-US" smtClean="0"/>
-              <a:t>2021-01-12</a:t>
+              <a:t>2021-01-24</a:t>
             </a:fld>
             <a:endParaRPr lang="en-US"/>
           </a:p>
@@ -4206,7 +4206,7 @@
           <a:p>
             <a:fld id="{F1F6B28C-2517-4E81-8A55-EB3E06B28D61}" type="datetimeFigureOut">
               <a:rPr lang="en-US" smtClean="0"/>
-              <a:t>2021-01-12</a:t>
+              <a:t>2021-01-24</a:t>
             </a:fld>
             <a:endParaRPr lang="en-US" dirty="0"/>
           </a:p>
@@ -4514,7 +4514,7 @@
           <a:p>
             <a:fld id="{F1F6B28C-2517-4E81-8A55-EB3E06B28D61}" type="datetimeFigureOut">
               <a:rPr lang="en-US" smtClean="0"/>
-              <a:t>2021-01-12</a:t>
+              <a:t>2021-01-24</a:t>
             </a:fld>
             <a:endParaRPr lang="en-US"/>
           </a:p>
@@ -4779,7 +4779,7 @@
           <a:p>
             <a:fld id="{F1F6B28C-2517-4E81-8A55-EB3E06B28D61}" type="datetimeFigureOut">
               <a:rPr lang="en-US" smtClean="0"/>
-              <a:t>2021-01-12</a:t>
+              <a:t>2021-01-24</a:t>
             </a:fld>
             <a:endParaRPr lang="en-US"/>
           </a:p>
@@ -5191,7 +5191,7 @@
           <a:p>
             <a:fld id="{F1F6B28C-2517-4E81-8A55-EB3E06B28D61}" type="datetimeFigureOut">
               <a:rPr lang="en-US" smtClean="0"/>
-              <a:t>2021-01-12</a:t>
+              <a:t>2021-01-24</a:t>
             </a:fld>
             <a:endParaRPr lang="en-US"/>
           </a:p>
@@ -5304,7 +5304,7 @@
           <a:p>
             <a:fld id="{F1F6B28C-2517-4E81-8A55-EB3E06B28D61}" type="datetimeFigureOut">
               <a:rPr lang="en-US" smtClean="0"/>
-              <a:t>2021-01-12</a:t>
+              <a:t>2021-01-24</a:t>
             </a:fld>
             <a:endParaRPr lang="en-US"/>
           </a:p>
@@ -5615,7 +5615,7 @@
           <a:p>
             <a:fld id="{F1F6B28C-2517-4E81-8A55-EB3E06B28D61}" type="datetimeFigureOut">
               <a:rPr lang="en-US" smtClean="0"/>
-              <a:t>2021-01-12</a:t>
+              <a:t>2021-01-24</a:t>
             </a:fld>
             <a:endParaRPr lang="en-US"/>
           </a:p>
@@ -5903,7 +5903,7 @@
           <a:p>
             <a:fld id="{F1F6B28C-2517-4E81-8A55-EB3E06B28D61}" type="datetimeFigureOut">
               <a:rPr lang="en-US" smtClean="0"/>
-              <a:t>2021-01-12</a:t>
+              <a:t>2021-01-24</a:t>
             </a:fld>
             <a:endParaRPr lang="en-US"/>
           </a:p>
@@ -6147,7 +6147,7 @@
             <a:fld id="{F1F6B28C-2517-4E81-8A55-EB3E06B28D61}" type="datetimeFigureOut">
               <a:rPr lang="en-US" smtClean="0"/>
               <a:pPr/>
-              <a:t>2021-01-12</a:t>
+              <a:t>2021-01-24</a:t>
             </a:fld>
             <a:endParaRPr lang="en-US"/>
           </a:p>
@@ -9099,6 +9099,45 @@
                 <a:latin typeface="Segoe Print" panose="02000600000000000000" pitchFamily="2" charset="0"/>
               </a:rPr>
               <a:t>Jonah@Probell.com</a:t>
+            </a:r>
+          </a:p>
+        </p:txBody>
+      </p:sp>
+      <p:sp>
+        <p:nvSpPr>
+          <p:cNvPr id="4" name="TextBox 3">
+            <a:extLst>
+              <a:ext uri="{FF2B5EF4-FFF2-40B4-BE49-F238E27FC236}">
+                <a16:creationId xmlns:a16="http://schemas.microsoft.com/office/drawing/2014/main" id="{2CFC607D-D9D9-4E8A-84F5-0F7D6009A689}"/>
+              </a:ext>
+            </a:extLst>
+          </p:cNvPr>
+          <p:cNvSpPr txBox="1"/>
+          <p:nvPr/>
+        </p:nvSpPr>
+        <p:spPr>
+          <a:xfrm>
+            <a:off x="1178628" y="5165209"/>
+            <a:ext cx="9834744" cy="369332"/>
+          </a:xfrm>
+          <a:prstGeom prst="rect">
+            <a:avLst/>
+          </a:prstGeom>
+          <a:noFill/>
+        </p:spPr>
+        <p:txBody>
+          <a:bodyPr wrap="none" rtlCol="0">
+            <a:spAutoFit/>
+          </a:bodyPr>
+          <a:lstStyle/>
+          <a:p>
+            <a:pPr algn="ctr"/>
+            <a:r>
+              <a:rPr lang="en-US" dirty="0">
+                <a:latin typeface="Courier New" panose="02070309020205020404" pitchFamily="49" charset="0"/>
+                <a:cs typeface="Courier New" panose="02070309020205020404" pitchFamily="49" charset="0"/>
+              </a:rPr>
+              <a:t>git clone https://github.com/panscient/Patenting-for-the-Small-Company</a:t>
             </a:r>
           </a:p>
         </p:txBody>

--- a/Patenting option evaluation.pptx
+++ b/Patenting option evaluation.pptx
@@ -9117,8 +9117,8 @@
         </p:nvSpPr>
         <p:spPr>
           <a:xfrm>
-            <a:off x="1178628" y="5165209"/>
-            <a:ext cx="9834744" cy="369332"/>
+            <a:off x="2244625" y="5165209"/>
+            <a:ext cx="7702750" cy="307777"/>
           </a:xfrm>
           <a:prstGeom prst="rect">
             <a:avLst/>
@@ -9133,7 +9133,7 @@
           <a:p>
             <a:pPr algn="ctr"/>
             <a:r>
-              <a:rPr lang="en-US" dirty="0">
+              <a:rPr lang="en-US" sz="1400" dirty="0">
                 <a:latin typeface="Courier New" panose="02070309020205020404" pitchFamily="49" charset="0"/>
                 <a:cs typeface="Courier New" panose="02070309020205020404" pitchFamily="49" charset="0"/>
               </a:rPr>
